--- a/Sideline Coach.pptx
+++ b/Sideline Coach.pptx
@@ -5,10 +5,10 @@
     <p:sldMasterId id="2147483648" r:id="rId1"/>
   </p:sldMasterIdLst>
   <p:notesMasterIdLst>
-    <p:notesMasterId r:id="rId11"/>
+    <p:notesMasterId r:id="rId7"/>
   </p:notesMasterIdLst>
   <p:handoutMasterIdLst>
-    <p:handoutMasterId r:id="rId12"/>
+    <p:handoutMasterId r:id="rId8"/>
   </p:handoutMasterIdLst>
   <p:sldIdLst>
     <p:sldId id="257" r:id="rId2"/>
@@ -16,10 +16,6 @@
     <p:sldId id="266" r:id="rId4"/>
     <p:sldId id="264" r:id="rId5"/>
     <p:sldId id="267" r:id="rId6"/>
-    <p:sldId id="268" r:id="rId7"/>
-    <p:sldId id="269" r:id="rId8"/>
-    <p:sldId id="270" r:id="rId9"/>
-    <p:sldId id="271" r:id="rId10"/>
   </p:sldIdLst>
   <p:sldSz cx="12192000" cy="6858000"/>
   <p:notesSz cx="6858000" cy="9144000"/>
@@ -211,7 +207,7 @@
           <a:p>
             <a:fld id="{D8DE8356-FFDA-4E74-B804-79023C7DD259}" type="datetimeFigureOut">
               <a:rPr lang="en-US" smtClean="0"/>
-              <a:t>3/11/2020</a:t>
+              <a:t>3/12/2020</a:t>
             </a:fld>
             <a:endParaRPr lang="en-US"/>
           </a:p>
@@ -376,7 +372,7 @@
           <a:p>
             <a:fld id="{B43DDCE7-616C-4285-A468-7301F171BC93}" type="datetimeFigureOut">
               <a:rPr lang="en-US" smtClean="0"/>
-              <a:t>3/11/2020</a:t>
+              <a:t>3/12/2020</a:t>
             </a:fld>
             <a:endParaRPr lang="en-US"/>
           </a:p>
@@ -937,7 +933,7 @@
           <a:p>
             <a:fld id="{3762EC29-B8C5-4C7A-B6DA-418494D5CB21}" type="datetimeFigureOut">
               <a:rPr lang="en-US" smtClean="0"/>
-              <a:t>3/11/2020</a:t>
+              <a:t>3/12/2020</a:t>
             </a:fld>
             <a:endParaRPr lang="en-US"/>
           </a:p>
@@ -1130,7 +1126,7 @@
           <a:p>
             <a:fld id="{3762EC29-B8C5-4C7A-B6DA-418494D5CB21}" type="datetimeFigureOut">
               <a:rPr lang="en-US" smtClean="0"/>
-              <a:t>3/11/2020</a:t>
+              <a:t>3/12/2020</a:t>
             </a:fld>
             <a:endParaRPr lang="en-US"/>
           </a:p>
@@ -1313,7 +1309,7 @@
           <a:p>
             <a:fld id="{3762EC29-B8C5-4C7A-B6DA-418494D5CB21}" type="datetimeFigureOut">
               <a:rPr lang="en-US" smtClean="0"/>
-              <a:t>3/11/2020</a:t>
+              <a:t>3/12/2020</a:t>
             </a:fld>
             <a:endParaRPr lang="en-US"/>
           </a:p>
@@ -1578,7 +1574,7 @@
           <a:p>
             <a:fld id="{3762EC29-B8C5-4C7A-B6DA-418494D5CB21}" type="datetimeFigureOut">
               <a:rPr lang="en-US" smtClean="0"/>
-              <a:t>3/11/2020</a:t>
+              <a:t>3/12/2020</a:t>
             </a:fld>
             <a:endParaRPr lang="en-US"/>
           </a:p>
@@ -1822,7 +1818,7 @@
           <a:p>
             <a:fld id="{3762EC29-B8C5-4C7A-B6DA-418494D5CB21}" type="datetimeFigureOut">
               <a:rPr lang="en-US" smtClean="0"/>
-              <a:t>3/11/2020</a:t>
+              <a:t>3/12/2020</a:t>
             </a:fld>
             <a:endParaRPr lang="en-US"/>
           </a:p>
@@ -2210,7 +2206,7 @@
           <a:p>
             <a:fld id="{3762EC29-B8C5-4C7A-B6DA-418494D5CB21}" type="datetimeFigureOut">
               <a:rPr lang="en-US" smtClean="0"/>
-              <a:t>3/11/2020</a:t>
+              <a:t>3/12/2020</a:t>
             </a:fld>
             <a:endParaRPr lang="en-US"/>
           </a:p>
@@ -2342,7 +2338,7 @@
           <a:p>
             <a:fld id="{3762EC29-B8C5-4C7A-B6DA-418494D5CB21}" type="datetimeFigureOut">
               <a:rPr lang="en-US" smtClean="0"/>
-              <a:t>3/11/2020</a:t>
+              <a:t>3/12/2020</a:t>
             </a:fld>
             <a:endParaRPr lang="en-US"/>
           </a:p>
@@ -2452,7 +2448,7 @@
           <a:p>
             <a:fld id="{3762EC29-B8C5-4C7A-B6DA-418494D5CB21}" type="datetimeFigureOut">
               <a:rPr lang="en-US" smtClean="0"/>
-              <a:t>3/11/2020</a:t>
+              <a:t>3/12/2020</a:t>
             </a:fld>
             <a:endParaRPr lang="en-US"/>
           </a:p>
@@ -3249,7 +3245,7 @@
             <a:fld id="{3762EC29-B8C5-4C7A-B6DA-418494D5CB21}" type="datetimeFigureOut">
               <a:rPr lang="en-US" smtClean="0"/>
               <a:pPr/>
-              <a:t>3/11/2020</a:t>
+              <a:t>3/12/2020</a:t>
             </a:fld>
             <a:endParaRPr lang="en-US"/>
           </a:p>
@@ -3714,8 +3710,8 @@
         </p:nvSpPr>
         <p:spPr>
           <a:xfrm>
-            <a:off x="11208568" y="6513447"/>
-            <a:ext cx="1083588" cy="360040"/>
+            <a:off x="9671720" y="6525344"/>
+            <a:ext cx="2520280" cy="476170"/>
           </a:xfrm>
           <a:prstGeom prst="rect">
             <a:avLst/>
@@ -3899,7 +3895,23 @@
                   <a:schemeClr val="tx1"/>
                 </a:solidFill>
               </a:rPr>
-              <a:t>Brad Cook</a:t>
+              <a:t>Brad Cook – 12</a:t>
+            </a:r>
+            <a:r>
+              <a:rPr lang="en-US" sz="1400" baseline="30000" dirty="0">
+                <a:solidFill>
+                  <a:schemeClr val="tx1"/>
+                </a:solidFill>
+              </a:rPr>
+              <a:t>th</a:t>
+            </a:r>
+            <a:r>
+              <a:rPr lang="en-US" sz="1400" dirty="0">
+                <a:solidFill>
+                  <a:schemeClr val="tx1"/>
+                </a:solidFill>
+              </a:rPr>
+              <a:t> March 2020</a:t>
             </a:r>
           </a:p>
           <a:p>
@@ -3962,21 +3974,37 @@
             <p:ph type="title"/>
           </p:nvPr>
         </p:nvSpPr>
-        <p:spPr/>
-        <p:txBody>
-          <a:bodyPr/>
+        <p:spPr>
+          <a:xfrm>
+            <a:off x="7824192" y="548680"/>
+            <a:ext cx="3657600" cy="1487016"/>
+          </a:xfrm>
+          <a:prstGeom prst="rect">
+            <a:avLst/>
+          </a:prstGeom>
+        </p:spPr>
+        <p:txBody>
+          <a:bodyPr anchor="b">
+            <a:normAutofit/>
+          </a:bodyPr>
           <a:lstStyle/>
           <a:p>
             <a:r>
               <a:rPr lang="en-US" dirty="0"/>
-              <a:t>Picture with Caption Layout</a:t>
+              <a:t>What is Sideline Coach</a:t>
             </a:r>
           </a:p>
         </p:txBody>
       </p:sp>
       <p:pic>
         <p:nvPicPr>
-          <p:cNvPr id="5" name="Picture Placeholder 4" descr="Basketball players raising hands together"/>
+          <p:cNvPr id="13" name="Picture Placeholder 12" descr="A large crowd of people watching a baseball game&#10;&#10;Description automatically generated">
+            <a:extLst>
+              <a:ext uri="{FF2B5EF4-FFF2-40B4-BE49-F238E27FC236}">
+                <a16:creationId xmlns:a16="http://schemas.microsoft.com/office/drawing/2014/main" id="{94F744E6-1BFA-4C49-AFDC-B8072A2CCB50}"/>
+              </a:ext>
+            </a:extLst>
+          </p:cNvPr>
           <p:cNvPicPr>
             <a:picLocks noGrp="1" noChangeAspect="1"/>
           </p:cNvPicPr>
@@ -3985,17 +4013,25 @@
           </p:nvPr>
         </p:nvPicPr>
         <p:blipFill rotWithShape="1">
-          <a:blip r:embed="rId2" cstate="print">
+          <a:blip r:embed="rId2">
             <a:extLst>
               <a:ext uri="{28A0092B-C50C-407E-A947-70E740481C1C}">
                 <a14:useLocalDpi xmlns:a14="http://schemas.microsoft.com/office/drawing/2010/main" val="0"/>
               </a:ext>
             </a:extLst>
           </a:blip>
-          <a:srcRect/>
+          <a:srcRect l="9261" r="20280" b="-1"/>
           <a:stretch/>
         </p:blipFill>
-        <p:spPr/>
+        <p:spPr>
+          <a:xfrm>
+            <a:off x="20" y="10"/>
+            <a:ext cx="7238980" cy="6857990"/>
+          </a:xfrm>
+          <a:prstGeom prst="rect">
+            <a:avLst/>
+          </a:prstGeom>
+        </p:spPr>
       </p:pic>
       <p:sp>
         <p:nvSpPr>
@@ -4007,15 +4043,28 @@
             <p:ph type="body" sz="half" idx="2"/>
           </p:nvPr>
         </p:nvSpPr>
-        <p:spPr/>
-        <p:txBody>
-          <a:bodyPr/>
+        <p:spPr>
+          <a:xfrm>
+            <a:off x="7848922" y="2492896"/>
+            <a:ext cx="3657600" cy="2895600"/>
+          </a:xfrm>
+          <a:prstGeom prst="rect">
+            <a:avLst/>
+          </a:prstGeom>
+        </p:spPr>
+        <p:txBody>
+          <a:bodyPr>
+            <a:normAutofit/>
+          </a:bodyPr>
           <a:lstStyle/>
           <a:p>
             <a:r>
               <a:rPr lang="en-US" dirty="0"/>
-              <a:t>Caption</a:t>
-            </a:r>
+              <a:t>Sideline Coach is a dynamic player creator complete with scoreboard functionality.</a:t>
+            </a:r>
+          </a:p>
+          <a:p>
+            <a:endParaRPr lang="en-US" dirty="0"/>
           </a:p>
         </p:txBody>
       </p:sp>
@@ -4067,8 +4116,13 @@
           </a:bodyPr>
           <a:lstStyle/>
           <a:p>
-            <a:r>
-              <a:rPr lang="en-US" sz="1200" b="1" i="1" dirty="0">
+            <a:pPr>
+              <a:spcAft>
+                <a:spcPts val="600"/>
+              </a:spcAft>
+            </a:pPr>
+            <a:r>
+              <a:rPr lang="en-US" sz="1200" b="1" i="1">
                 <a:latin typeface="Arial" pitchFamily="34" charset="0"/>
                 <a:cs typeface="Arial" pitchFamily="34" charset="0"/>
               </a:rPr>
@@ -4076,8 +4130,13 @@
             </a:r>
           </a:p>
           <a:p>
-            <a:r>
-              <a:rPr lang="en-US" sz="1200" i="1" dirty="0">
+            <a:pPr>
+              <a:spcAft>
+                <a:spcPts val="600"/>
+              </a:spcAft>
+            </a:pPr>
+            <a:r>
+              <a:rPr lang="en-US" sz="1200" i="1">
                 <a:latin typeface="Arial" pitchFamily="34" charset="0"/>
                 <a:cs typeface="Arial" pitchFamily="34" charset="0"/>
               </a:rPr>
@@ -4085,8 +4144,13 @@
             </a:r>
           </a:p>
           <a:p>
-            <a:r>
-              <a:rPr lang="en-US" sz="1200" i="1" dirty="0">
+            <a:pPr>
+              <a:spcAft>
+                <a:spcPts val="600"/>
+              </a:spcAft>
+            </a:pPr>
+            <a:r>
+              <a:rPr lang="en-US" sz="1200" i="1">
                 <a:latin typeface="Arial" pitchFamily="34" charset="0"/>
                 <a:cs typeface="Arial" pitchFamily="34" charset="0"/>
               </a:rPr>
@@ -4193,120 +4257,141 @@
           </a:p>
         </p:txBody>
       </p:sp>
-      <p:pic>
-        <p:nvPicPr>
-          <p:cNvPr id="4" name="Picture 3">
+      <p:grpSp>
+        <p:nvGrpSpPr>
+          <p:cNvPr id="5" name="Group 4">
             <a:extLst>
               <a:ext uri="{FF2B5EF4-FFF2-40B4-BE49-F238E27FC236}">
-                <a16:creationId xmlns:a16="http://schemas.microsoft.com/office/drawing/2014/main" id="{3CEE378F-7E63-4957-B737-524313FADA10}"/>
+                <a16:creationId xmlns:a16="http://schemas.microsoft.com/office/drawing/2014/main" id="{18DAEDD9-4A69-4EB2-B167-26EE804AB3B0}"/>
               </a:ext>
             </a:extLst>
           </p:cNvPr>
-          <p:cNvPicPr>
-            <a:picLocks noChangeAspect="1"/>
-          </p:cNvPicPr>
+          <p:cNvGrpSpPr/>
           <p:nvPr/>
-        </p:nvPicPr>
-        <p:blipFill>
-          <a:blip r:embed="rId2"/>
-          <a:stretch>
-            <a:fillRect/>
-          </a:stretch>
-        </p:blipFill>
-        <p:spPr>
+        </p:nvGrpSpPr>
+        <p:grpSpPr>
           <a:xfrm>
-            <a:off x="1199456" y="2276872"/>
-            <a:ext cx="5489571" cy="1303669"/>
+            <a:off x="1066800" y="2672916"/>
+            <a:ext cx="5821288" cy="1512168"/>
+            <a:chOff x="1066800" y="2204864"/>
+            <a:chExt cx="5821288" cy="1512168"/>
           </a:xfrm>
-          <a:prstGeom prst="rect">
-            <a:avLst/>
-          </a:prstGeom>
-        </p:spPr>
-      </p:pic>
-      <p:cxnSp>
-        <p:nvCxnSpPr>
-          <p:cNvPr id="6" name="Straight Connector 5">
-            <a:extLst>
-              <a:ext uri="{FF2B5EF4-FFF2-40B4-BE49-F238E27FC236}">
-                <a16:creationId xmlns:a16="http://schemas.microsoft.com/office/drawing/2014/main" id="{624D23C9-EF2E-4B3D-89DC-A4DA5EC2FC70}"/>
-              </a:ext>
-            </a:extLst>
-          </p:cNvPr>
-          <p:cNvCxnSpPr/>
-          <p:nvPr/>
-        </p:nvCxnSpPr>
-        <p:spPr>
-          <a:xfrm>
-            <a:off x="1066800" y="2204864"/>
-            <a:ext cx="5821288" cy="1440160"/>
-          </a:xfrm>
-          <a:prstGeom prst="line">
-            <a:avLst/>
-          </a:prstGeom>
-          <a:ln w="57150">
-            <a:solidFill>
-              <a:srgbClr val="FF0000"/>
-            </a:solidFill>
-          </a:ln>
-        </p:spPr>
-        <p:style>
-          <a:lnRef idx="1">
-            <a:schemeClr val="accent1"/>
-          </a:lnRef>
-          <a:fillRef idx="0">
-            <a:schemeClr val="accent1"/>
-          </a:fillRef>
-          <a:effectRef idx="0">
-            <a:schemeClr val="accent1"/>
-          </a:effectRef>
-          <a:fontRef idx="minor">
-            <a:schemeClr val="tx1"/>
-          </a:fontRef>
-        </p:style>
-      </p:cxnSp>
-      <p:cxnSp>
-        <p:nvCxnSpPr>
-          <p:cNvPr id="9" name="Straight Connector 8">
-            <a:extLst>
-              <a:ext uri="{FF2B5EF4-FFF2-40B4-BE49-F238E27FC236}">
-                <a16:creationId xmlns:a16="http://schemas.microsoft.com/office/drawing/2014/main" id="{1FCAC8A0-74EA-4B9D-8EFB-768A16A8D06C}"/>
-              </a:ext>
-            </a:extLst>
-          </p:cNvPr>
-          <p:cNvCxnSpPr>
-            <a:cxnSpLocks/>
-          </p:cNvCxnSpPr>
-          <p:nvPr/>
-        </p:nvCxnSpPr>
-        <p:spPr>
-          <a:xfrm flipV="1">
-            <a:off x="1066800" y="2212389"/>
-            <a:ext cx="5821288" cy="1504643"/>
-          </a:xfrm>
-          <a:prstGeom prst="line">
-            <a:avLst/>
-          </a:prstGeom>
-          <a:ln w="57150">
-            <a:solidFill>
-              <a:srgbClr val="FF0000"/>
-            </a:solidFill>
-          </a:ln>
-        </p:spPr>
-        <p:style>
-          <a:lnRef idx="1">
-            <a:schemeClr val="accent1"/>
-          </a:lnRef>
-          <a:fillRef idx="0">
-            <a:schemeClr val="accent1"/>
-          </a:fillRef>
-          <a:effectRef idx="0">
-            <a:schemeClr val="accent1"/>
-          </a:effectRef>
-          <a:fontRef idx="minor">
-            <a:schemeClr val="tx1"/>
-          </a:fontRef>
-        </p:style>
-      </p:cxnSp>
+        </p:grpSpPr>
+        <p:pic>
+          <p:nvPicPr>
+            <p:cNvPr id="4" name="Picture 3">
+              <a:extLst>
+                <a:ext uri="{FF2B5EF4-FFF2-40B4-BE49-F238E27FC236}">
+                  <a16:creationId xmlns:a16="http://schemas.microsoft.com/office/drawing/2014/main" id="{3CEE378F-7E63-4957-B737-524313FADA10}"/>
+                </a:ext>
+              </a:extLst>
+            </p:cNvPr>
+            <p:cNvPicPr>
+              <a:picLocks noChangeAspect="1"/>
+            </p:cNvPicPr>
+            <p:nvPr/>
+          </p:nvPicPr>
+          <p:blipFill>
+            <a:blip r:embed="rId2"/>
+            <a:stretch>
+              <a:fillRect/>
+            </a:stretch>
+          </p:blipFill>
+          <p:spPr>
+            <a:xfrm>
+              <a:off x="1199456" y="2276872"/>
+              <a:ext cx="5489571" cy="1303669"/>
+            </a:xfrm>
+            <a:prstGeom prst="rect">
+              <a:avLst/>
+            </a:prstGeom>
+          </p:spPr>
+        </p:pic>
+        <p:cxnSp>
+          <p:nvCxnSpPr>
+            <p:cNvPr id="6" name="Straight Connector 5">
+              <a:extLst>
+                <a:ext uri="{FF2B5EF4-FFF2-40B4-BE49-F238E27FC236}">
+                  <a16:creationId xmlns:a16="http://schemas.microsoft.com/office/drawing/2014/main" id="{624D23C9-EF2E-4B3D-89DC-A4DA5EC2FC70}"/>
+                </a:ext>
+              </a:extLst>
+            </p:cNvPr>
+            <p:cNvCxnSpPr/>
+            <p:nvPr/>
+          </p:nvCxnSpPr>
+          <p:spPr>
+            <a:xfrm>
+              <a:off x="1066800" y="2204864"/>
+              <a:ext cx="5821288" cy="1440160"/>
+            </a:xfrm>
+            <a:prstGeom prst="line">
+              <a:avLst/>
+            </a:prstGeom>
+            <a:ln w="57150">
+              <a:solidFill>
+                <a:srgbClr val="FF0000"/>
+              </a:solidFill>
+            </a:ln>
+          </p:spPr>
+          <p:style>
+            <a:lnRef idx="1">
+              <a:schemeClr val="accent1"/>
+            </a:lnRef>
+            <a:fillRef idx="0">
+              <a:schemeClr val="accent1"/>
+            </a:fillRef>
+            <a:effectRef idx="0">
+              <a:schemeClr val="accent1"/>
+            </a:effectRef>
+            <a:fontRef idx="minor">
+              <a:schemeClr val="tx1"/>
+            </a:fontRef>
+          </p:style>
+        </p:cxnSp>
+        <p:cxnSp>
+          <p:nvCxnSpPr>
+            <p:cNvPr id="9" name="Straight Connector 8">
+              <a:extLst>
+                <a:ext uri="{FF2B5EF4-FFF2-40B4-BE49-F238E27FC236}">
+                  <a16:creationId xmlns:a16="http://schemas.microsoft.com/office/drawing/2014/main" id="{1FCAC8A0-74EA-4B9D-8EFB-768A16A8D06C}"/>
+                </a:ext>
+              </a:extLst>
+            </p:cNvPr>
+            <p:cNvCxnSpPr>
+              <a:cxnSpLocks/>
+            </p:cNvCxnSpPr>
+            <p:nvPr/>
+          </p:nvCxnSpPr>
+          <p:spPr>
+            <a:xfrm flipV="1">
+              <a:off x="1066800" y="2212389"/>
+              <a:ext cx="5821288" cy="1504643"/>
+            </a:xfrm>
+            <a:prstGeom prst="line">
+              <a:avLst/>
+            </a:prstGeom>
+            <a:ln w="57150">
+              <a:solidFill>
+                <a:srgbClr val="FF0000"/>
+              </a:solidFill>
+            </a:ln>
+          </p:spPr>
+          <p:style>
+            <a:lnRef idx="1">
+              <a:schemeClr val="accent1"/>
+            </a:lnRef>
+            <a:fillRef idx="0">
+              <a:schemeClr val="accent1"/>
+            </a:fillRef>
+            <a:effectRef idx="0">
+              <a:schemeClr val="accent1"/>
+            </a:effectRef>
+            <a:fontRef idx="minor">
+              <a:schemeClr val="tx1"/>
+            </a:fontRef>
+          </p:style>
+        </p:cxnSp>
+      </p:grpSp>
       <p:grpSp>
         <p:nvGrpSpPr>
           <p:cNvPr id="18" name="Group 17">
@@ -4321,7 +4406,7 @@
         </p:nvGrpSpPr>
         <p:grpSpPr>
           <a:xfrm>
-            <a:off x="7320136" y="1676400"/>
+            <a:off x="7320136" y="2065727"/>
             <a:ext cx="4525144" cy="2726546"/>
             <a:chOff x="1775520" y="3724558"/>
             <a:chExt cx="4525144" cy="2726546"/>
@@ -4444,6 +4529,36 @@
           </p:style>
         </p:cxnSp>
       </p:grpSp>
+      <p:pic>
+        <p:nvPicPr>
+          <p:cNvPr id="7" name="Picture 6">
+            <a:extLst>
+              <a:ext uri="{FF2B5EF4-FFF2-40B4-BE49-F238E27FC236}">
+                <a16:creationId xmlns:a16="http://schemas.microsoft.com/office/drawing/2014/main" id="{1A4579C6-14BF-407C-A5C7-B9EC6217FC34}"/>
+              </a:ext>
+            </a:extLst>
+          </p:cNvPr>
+          <p:cNvPicPr>
+            <a:picLocks noChangeAspect="1"/>
+          </p:cNvPicPr>
+          <p:nvPr/>
+        </p:nvPicPr>
+        <p:blipFill>
+          <a:blip r:embed="rId4"/>
+          <a:stretch>
+            <a:fillRect/>
+          </a:stretch>
+        </p:blipFill>
+        <p:spPr>
+          <a:xfrm>
+            <a:off x="9868618" y="-735"/>
+            <a:ext cx="2279576" cy="344370"/>
+          </a:xfrm>
+          <a:prstGeom prst="rect">
+            <a:avLst/>
+          </a:prstGeom>
+        </p:spPr>
+      </p:pic>
     </p:spTree>
     <p:extLst>
       <p:ext uri="{BB962C8B-B14F-4D97-AF65-F5344CB8AC3E}">
@@ -4798,7 +4913,12 @@
             <p:ph sz="half" idx="1"/>
           </p:nvPr>
         </p:nvSpPr>
-        <p:spPr/>
+        <p:spPr>
+          <a:xfrm>
+            <a:off x="1066800" y="2209800"/>
+            <a:ext cx="4846320" cy="2371328"/>
+          </a:xfrm>
+        </p:spPr>
         <p:txBody>
           <a:bodyPr/>
           <a:lstStyle/>
@@ -4817,21 +4937,34 @@
           </a:p>
           <a:p>
             <a:r>
-              <a:rPr lang="en-US" altLang="en-US" sz="1600" dirty="0">
+              <a:rPr lang="en-US" altLang="en-US" sz="1800" dirty="0">
                 <a:latin typeface="Arial" panose="020B0604020202020204" pitchFamily="34" charset="0"/>
               </a:rPr>
               <a:t>The </a:t>
             </a:r>
             <a:r>
-              <a:rPr lang="en-US" altLang="en-US" sz="1600" dirty="0"/>
-              <a:t> method creates a new array</a:t>
-            </a:r>
-            <a:r>
-              <a:rPr lang="en-US" altLang="en-US" sz="1600" dirty="0">
+              <a:rPr lang="en-US" altLang="en-US" sz="1800" dirty="0"/>
+              <a:t> first part of the method (.filter) creates a new array</a:t>
+            </a:r>
+            <a:r>
+              <a:rPr lang="en-US" altLang="en-US" sz="1800" dirty="0">
                 <a:latin typeface="Arial" panose="020B0604020202020204" pitchFamily="34" charset="0"/>
               </a:rPr>
-              <a:t> with all elements that pass the test implemented by the provided function </a:t>
-            </a:r>
+              <a:t> with all elements that pass the condition provided.</a:t>
+            </a:r>
+          </a:p>
+          <a:p>
+            <a:r>
+              <a:rPr lang="en-US" altLang="en-US" sz="1800" dirty="0">
+                <a:latin typeface="Arial" panose="020B0604020202020204" pitchFamily="34" charset="0"/>
+              </a:rPr>
+              <a:t>The second part of the method (.map) loops through and displays the results.</a:t>
+            </a:r>
+          </a:p>
+          <a:p>
+            <a:endParaRPr lang="en-US" altLang="en-US" sz="1600" dirty="0">
+              <a:latin typeface="Arial" panose="020B0604020202020204" pitchFamily="34" charset="0"/>
+            </a:endParaRPr>
           </a:p>
         </p:txBody>
       </p:sp>
@@ -4858,7 +4991,7 @@
         </p:blipFill>
         <p:spPr>
           <a:xfrm>
-            <a:off x="5913120" y="1675387"/>
+            <a:off x="6600056" y="2209800"/>
             <a:ext cx="5051443" cy="2112639"/>
           </a:xfrm>
           <a:prstGeom prst="rect">
@@ -4870,337 +5003,6 @@
     <p:extLst>
       <p:ext uri="{BB962C8B-B14F-4D97-AF65-F5344CB8AC3E}">
         <p14:creationId xmlns:p14="http://schemas.microsoft.com/office/powerpoint/2010/main" val="2598391320"/>
-      </p:ext>
-    </p:extLst>
-  </p:cSld>
-  <p:clrMapOvr>
-    <a:masterClrMapping/>
-  </p:clrMapOvr>
-  <mc:AlternateContent xmlns:mc="http://schemas.openxmlformats.org/markup-compatibility/2006" xmlns:p14="http://schemas.microsoft.com/office/powerpoint/2010/main">
-    <mc:Choice Requires="p14">
-      <p:transition spd="med" p14:dur="700">
-        <p:fade/>
-      </p:transition>
-    </mc:Choice>
-    <mc:Fallback xmlns="">
-      <p:transition spd="med">
-        <p:fade/>
-      </p:transition>
-    </mc:Fallback>
-  </mc:AlternateContent>
-</p:sld>
-</file>
-
-<file path=ppt/slides/slide6.xml><?xml version="1.0" encoding="utf-8"?>
-<p:sld xmlns:a="http://schemas.openxmlformats.org/drawingml/2006/main" xmlns:r="http://schemas.openxmlformats.org/officeDocument/2006/relationships" xmlns:p="http://schemas.openxmlformats.org/presentationml/2006/main">
-  <p:cSld>
-    <p:spTree>
-      <p:nvGrpSpPr>
-        <p:cNvPr id="1" name=""/>
-        <p:cNvGrpSpPr/>
-        <p:nvPr/>
-      </p:nvGrpSpPr>
-      <p:grpSpPr>
-        <a:xfrm>
-          <a:off x="0" y="0"/>
-          <a:ext cx="0" cy="0"/>
-          <a:chOff x="0" y="0"/>
-          <a:chExt cx="0" cy="0"/>
-        </a:xfrm>
-      </p:grpSpPr>
-      <p:sp>
-        <p:nvSpPr>
-          <p:cNvPr id="2" name="Title 1"/>
-          <p:cNvSpPr>
-            <a:spLocks noGrp="1"/>
-          </p:cNvSpPr>
-          <p:nvPr>
-            <p:ph type="title"/>
-          </p:nvPr>
-        </p:nvSpPr>
-        <p:spPr/>
-        <p:txBody>
-          <a:bodyPr>
-            <a:normAutofit/>
-          </a:bodyPr>
-          <a:lstStyle/>
-          <a:p>
-            <a:r>
-              <a:rPr lang="en-US" sz="3200" dirty="0"/>
-              <a:t>Add a Slide Title - 1</a:t>
-            </a:r>
-          </a:p>
-        </p:txBody>
-      </p:sp>
-      <p:sp>
-        <p:nvSpPr>
-          <p:cNvPr id="3" name="Text Placeholder 2"/>
-          <p:cNvSpPr>
-            <a:spLocks noGrp="1"/>
-          </p:cNvSpPr>
-          <p:nvPr>
-            <p:ph type="body" idx="1"/>
-          </p:nvPr>
-        </p:nvSpPr>
-        <p:spPr/>
-        <p:txBody>
-          <a:bodyPr/>
-          <a:lstStyle/>
-          <a:p>
-            <a:endParaRPr lang="en-US"/>
-          </a:p>
-        </p:txBody>
-      </p:sp>
-    </p:spTree>
-    <p:extLst>
-      <p:ext uri="{BB962C8B-B14F-4D97-AF65-F5344CB8AC3E}">
-        <p14:creationId xmlns:p14="http://schemas.microsoft.com/office/powerpoint/2010/main" val="2993111047"/>
-      </p:ext>
-    </p:extLst>
-  </p:cSld>
-  <p:clrMapOvr>
-    <a:masterClrMapping/>
-  </p:clrMapOvr>
-  <mc:AlternateContent xmlns:mc="http://schemas.openxmlformats.org/markup-compatibility/2006" xmlns:p14="http://schemas.microsoft.com/office/powerpoint/2010/main">
-    <mc:Choice Requires="p14">
-      <p:transition spd="med" p14:dur="700">
-        <p:fade/>
-      </p:transition>
-    </mc:Choice>
-    <mc:Fallback xmlns="">
-      <p:transition spd="med">
-        <p:fade/>
-      </p:transition>
-    </mc:Fallback>
-  </mc:AlternateContent>
-</p:sld>
-</file>
-
-<file path=ppt/slides/slide7.xml><?xml version="1.0" encoding="utf-8"?>
-<p:sld xmlns:a="http://schemas.openxmlformats.org/drawingml/2006/main" xmlns:r="http://schemas.openxmlformats.org/officeDocument/2006/relationships" xmlns:p="http://schemas.openxmlformats.org/presentationml/2006/main">
-  <p:cSld>
-    <p:spTree>
-      <p:nvGrpSpPr>
-        <p:cNvPr id="1" name=""/>
-        <p:cNvGrpSpPr/>
-        <p:nvPr/>
-      </p:nvGrpSpPr>
-      <p:grpSpPr>
-        <a:xfrm>
-          <a:off x="0" y="0"/>
-          <a:ext cx="0" cy="0"/>
-          <a:chOff x="0" y="0"/>
-          <a:chExt cx="0" cy="0"/>
-        </a:xfrm>
-      </p:grpSpPr>
-      <p:sp>
-        <p:nvSpPr>
-          <p:cNvPr id="2" name="Title 1"/>
-          <p:cNvSpPr>
-            <a:spLocks noGrp="1"/>
-          </p:cNvSpPr>
-          <p:nvPr>
-            <p:ph type="title"/>
-          </p:nvPr>
-        </p:nvSpPr>
-        <p:spPr/>
-        <p:txBody>
-          <a:bodyPr/>
-          <a:lstStyle/>
-          <a:p>
-            <a:r>
-              <a:rPr lang="en-US" dirty="0"/>
-              <a:t>Add a Slide Title - 2</a:t>
-            </a:r>
-          </a:p>
-        </p:txBody>
-      </p:sp>
-      <p:sp>
-        <p:nvSpPr>
-          <p:cNvPr id="3" name="Text Placeholder 2"/>
-          <p:cNvSpPr>
-            <a:spLocks noGrp="1"/>
-          </p:cNvSpPr>
-          <p:nvPr>
-            <p:ph type="body" idx="1"/>
-          </p:nvPr>
-        </p:nvSpPr>
-        <p:spPr/>
-        <p:txBody>
-          <a:bodyPr/>
-          <a:lstStyle/>
-          <a:p>
-            <a:endParaRPr lang="en-US"/>
-          </a:p>
-        </p:txBody>
-      </p:sp>
-      <p:sp>
-        <p:nvSpPr>
-          <p:cNvPr id="4" name="Content Placeholder 3"/>
-          <p:cNvSpPr>
-            <a:spLocks noGrp="1"/>
-          </p:cNvSpPr>
-          <p:nvPr>
-            <p:ph sz="half" idx="2"/>
-          </p:nvPr>
-        </p:nvSpPr>
-        <p:spPr/>
-        <p:txBody>
-          <a:bodyPr/>
-          <a:lstStyle/>
-          <a:p>
-            <a:endParaRPr lang="en-US"/>
-          </a:p>
-        </p:txBody>
-      </p:sp>
-      <p:sp>
-        <p:nvSpPr>
-          <p:cNvPr id="5" name="Text Placeholder 4"/>
-          <p:cNvSpPr>
-            <a:spLocks noGrp="1"/>
-          </p:cNvSpPr>
-          <p:nvPr>
-            <p:ph type="body" sz="quarter" idx="3"/>
-          </p:nvPr>
-        </p:nvSpPr>
-        <p:spPr/>
-        <p:txBody>
-          <a:bodyPr/>
-          <a:lstStyle/>
-          <a:p>
-            <a:endParaRPr lang="en-US"/>
-          </a:p>
-        </p:txBody>
-      </p:sp>
-      <p:sp>
-        <p:nvSpPr>
-          <p:cNvPr id="6" name="Content Placeholder 5"/>
-          <p:cNvSpPr>
-            <a:spLocks noGrp="1"/>
-          </p:cNvSpPr>
-          <p:nvPr>
-            <p:ph sz="quarter" idx="4"/>
-          </p:nvPr>
-        </p:nvSpPr>
-        <p:spPr/>
-        <p:txBody>
-          <a:bodyPr/>
-          <a:lstStyle/>
-          <a:p>
-            <a:endParaRPr lang="en-US"/>
-          </a:p>
-        </p:txBody>
-      </p:sp>
-    </p:spTree>
-    <p:extLst>
-      <p:ext uri="{BB962C8B-B14F-4D97-AF65-F5344CB8AC3E}">
-        <p14:creationId xmlns:p14="http://schemas.microsoft.com/office/powerpoint/2010/main" val="4078798235"/>
-      </p:ext>
-    </p:extLst>
-  </p:cSld>
-  <p:clrMapOvr>
-    <a:masterClrMapping/>
-  </p:clrMapOvr>
-  <mc:AlternateContent xmlns:mc="http://schemas.openxmlformats.org/markup-compatibility/2006" xmlns:p14="http://schemas.microsoft.com/office/powerpoint/2010/main">
-    <mc:Choice Requires="p14">
-      <p:transition spd="med" p14:dur="700">
-        <p:fade/>
-      </p:transition>
-    </mc:Choice>
-    <mc:Fallback xmlns="">
-      <p:transition spd="med">
-        <p:fade/>
-      </p:transition>
-    </mc:Fallback>
-  </mc:AlternateContent>
-</p:sld>
-</file>
-
-<file path=ppt/slides/slide8.xml><?xml version="1.0" encoding="utf-8"?>
-<p:sld xmlns:a="http://schemas.openxmlformats.org/drawingml/2006/main" xmlns:r="http://schemas.openxmlformats.org/officeDocument/2006/relationships" xmlns:p="http://schemas.openxmlformats.org/presentationml/2006/main">
-  <p:cSld>
-    <p:spTree>
-      <p:nvGrpSpPr>
-        <p:cNvPr id="1" name=""/>
-        <p:cNvGrpSpPr/>
-        <p:nvPr/>
-      </p:nvGrpSpPr>
-      <p:grpSpPr>
-        <a:xfrm>
-          <a:off x="0" y="0"/>
-          <a:ext cx="0" cy="0"/>
-          <a:chOff x="0" y="0"/>
-          <a:chExt cx="0" cy="0"/>
-        </a:xfrm>
-      </p:grpSpPr>
-      <p:sp>
-        <p:nvSpPr>
-          <p:cNvPr id="2" name="Title 1"/>
-          <p:cNvSpPr>
-            <a:spLocks noGrp="1"/>
-          </p:cNvSpPr>
-          <p:nvPr>
-            <p:ph type="title"/>
-          </p:nvPr>
-        </p:nvSpPr>
-        <p:spPr/>
-        <p:txBody>
-          <a:bodyPr/>
-          <a:lstStyle/>
-          <a:p>
-            <a:r>
-              <a:rPr lang="en-US" dirty="0"/>
-              <a:t>Add a Slide Title - 3</a:t>
-            </a:r>
-          </a:p>
-        </p:txBody>
-      </p:sp>
-    </p:spTree>
-    <p:extLst>
-      <p:ext uri="{BB962C8B-B14F-4D97-AF65-F5344CB8AC3E}">
-        <p14:creationId xmlns:p14="http://schemas.microsoft.com/office/powerpoint/2010/main" val="1864551520"/>
-      </p:ext>
-    </p:extLst>
-  </p:cSld>
-  <p:clrMapOvr>
-    <a:masterClrMapping/>
-  </p:clrMapOvr>
-  <mc:AlternateContent xmlns:mc="http://schemas.openxmlformats.org/markup-compatibility/2006" xmlns:p14="http://schemas.microsoft.com/office/powerpoint/2010/main">
-    <mc:Choice Requires="p14">
-      <p:transition spd="med" p14:dur="700">
-        <p:fade/>
-      </p:transition>
-    </mc:Choice>
-    <mc:Fallback xmlns="">
-      <p:transition spd="med">
-        <p:fade/>
-      </p:transition>
-    </mc:Fallback>
-  </mc:AlternateContent>
-</p:sld>
-</file>
-
-<file path=ppt/slides/slide9.xml><?xml version="1.0" encoding="utf-8"?>
-<p:sld xmlns:a="http://schemas.openxmlformats.org/drawingml/2006/main" xmlns:r="http://schemas.openxmlformats.org/officeDocument/2006/relationships" xmlns:p="http://schemas.openxmlformats.org/presentationml/2006/main">
-  <p:cSld>
-    <p:spTree>
-      <p:nvGrpSpPr>
-        <p:cNvPr id="1" name=""/>
-        <p:cNvGrpSpPr/>
-        <p:nvPr/>
-      </p:nvGrpSpPr>
-      <p:grpSpPr>
-        <a:xfrm>
-          <a:off x="0" y="0"/>
-          <a:ext cx="0" cy="0"/>
-          <a:chOff x="0" y="0"/>
-          <a:chExt cx="0" cy="0"/>
-        </a:xfrm>
-      </p:grpSpPr>
-    </p:spTree>
-    <p:extLst>
-      <p:ext uri="{BB962C8B-B14F-4D97-AF65-F5344CB8AC3E}">
-        <p14:creationId xmlns:p14="http://schemas.microsoft.com/office/powerpoint/2010/main" val="242861733"/>
       </p:ext>
     </p:extLst>
   </p:cSld>
